--- a/UA_Skyhack/2K20_MC_49_SkyHackPresentation.pptx
+++ b/UA_Skyhack/2K20_MC_49_SkyHackPresentation.pptx
@@ -7456,7 +7456,7 @@
         </p:spPr>
         <p:txBody>
           <a:bodyPr anchorCtr="0" anchor="t" bIns="91425" lIns="91425" spcFirstLastPara="1" rIns="91425" wrap="square" tIns="91425">
-            <a:normAutofit lnSpcReduction="10000"/>
+            <a:normAutofit lnSpcReduction="20000"/>
           </a:bodyPr>
           <a:lstStyle/>
           <a:p>
@@ -7516,7 +7516,7 @@
                 <a:cs typeface="Times New Roman"/>
                 <a:sym typeface="Times New Roman"/>
               </a:rPr>
-              <a:t>It is interesting to see that those without a stop in between are the most dissatisfied whereas those who have stop(s) are more satisfied, it can be assumed that this is due to the fact that many 1 leg flights are short in duration and some don’t have meal time resulting in dissatisfaction</a:t>
+              <a:t>Unexpectedly, those without a stop in between are the most dissatisfied whereas those who have stop(s) are more satisfied, it can be assumed that this is due to the fact that many 1 leg flights are short in duration and some don’t have meal time resulting in dissatisfaction</a:t>
             </a:r>
             <a:endParaRPr>
               <a:solidFill>
@@ -7597,7 +7597,39 @@
                 <a:cs typeface="Times New Roman"/>
                 <a:sym typeface="Times New Roman"/>
               </a:rPr>
-              <a:t>facilities, hence one would assume the F&amp;B services here would be satisfactory but the data seem to show otherwise. It is also worth noting the scale that each chart is showing as they are all ranging differently</a:t>
+              <a:t>facilities, hence one would assume the F&amp;B services here would be satisfactory but the data seem to show otherwise.</a:t>
+            </a:r>
+            <a:endParaRPr>
+              <a:solidFill>
+                <a:srgbClr val="003096"/>
+              </a:solidFill>
+              <a:latin typeface="Times New Roman"/>
+              <a:ea typeface="Times New Roman"/>
+              <a:cs typeface="Times New Roman"/>
+              <a:sym typeface="Times New Roman"/>
+            </a:endParaRPr>
+          </a:p>
+          <a:p>
+            <a:pPr indent="0" lvl="0" marL="0" rtl="0" algn="l">
+              <a:spcBef>
+                <a:spcPts val="1200"/>
+              </a:spcBef>
+              <a:spcAft>
+                <a:spcPts val="1200"/>
+              </a:spcAft>
+              <a:buNone/>
+            </a:pPr>
+            <a:r>
+              <a:rPr lang="en">
+                <a:solidFill>
+                  <a:srgbClr val="003096"/>
+                </a:solidFill>
+                <a:latin typeface="Times New Roman"/>
+                <a:ea typeface="Times New Roman"/>
+                <a:cs typeface="Times New Roman"/>
+                <a:sym typeface="Times New Roman"/>
+              </a:rPr>
+              <a:t>It is also worth noting the scale that each chart is showing as they are all ranging differently</a:t>
             </a:r>
             <a:endParaRPr>
               <a:solidFill>
@@ -8409,7 +8441,7 @@
                 <a:cs typeface="Times New Roman"/>
                 <a:sym typeface="Times New Roman"/>
               </a:rPr>
-              <a:t>However we can see that the </a:t>
+              <a:t>However we can see that the customers in </a:t>
             </a:r>
             <a:r>
               <a:rPr lang="en">
@@ -8433,7 +8465,7 @@
                 <a:cs typeface="Times New Roman"/>
                 <a:sym typeface="Times New Roman"/>
               </a:rPr>
-              <a:t> and domestic flights are really satisfied with their services, paying attention the first chart, the </a:t>
+              <a:t> and domestic flights are super satisfied with their F&amp;B services, paying attention the first chart, the </a:t>
             </a:r>
             <a:r>
               <a:rPr lang="en">
@@ -9360,11 +9392,11 @@
         </p:spPr>
         <p:txBody>
           <a:bodyPr anchorCtr="0" anchor="t" bIns="91425" lIns="91425" spcFirstLastPara="1" rIns="91425" wrap="square" tIns="91425">
-            <a:normAutofit/>
+            <a:normAutofit lnSpcReduction="10000"/>
           </a:bodyPr>
           <a:lstStyle/>
           <a:p>
-            <a:pPr indent="0" lvl="0" marL="0" rtl="0" algn="l">
+            <a:pPr indent="0" lvl="0" marL="0" rtl="0" algn="just">
               <a:spcBef>
                 <a:spcPts val="0"/>
               </a:spcBef>
@@ -9383,7 +9415,7 @@
                 <a:cs typeface="Times New Roman"/>
                 <a:sym typeface="Times New Roman"/>
               </a:rPr>
-              <a:t>With more time available, I would have proceeded by taking the partially segmented table from first dataset and applying various machine learning algorithms to assess which one best predicts customer satisfaction or dissatisfaction.</a:t>
+              <a:t>With more time available, I would have proceeded by taking the (first question) segmented table from inflight satisfaction dataset and applying various machine learning algorithms to assess which one best predicts customer satisfaction or dissatisfaction.</a:t>
             </a:r>
             <a:endParaRPr>
               <a:solidFill>
@@ -9396,7 +9428,7 @@
             </a:endParaRPr>
           </a:p>
           <a:p>
-            <a:pPr indent="0" lvl="0" marL="0" rtl="0" algn="l">
+            <a:pPr indent="0" lvl="0" marL="0" rtl="0" algn="just">
               <a:spcBef>
                 <a:spcPts val="1200"/>
               </a:spcBef>
@@ -9415,7 +9447,7 @@
                 <a:cs typeface="Times New Roman"/>
                 <a:sym typeface="Times New Roman"/>
               </a:rPr>
-              <a:t>I would then select the most effective algorithm and apply it to the second half of the first dataset that I had segmented </a:t>
+              <a:t>I would then select the most effective algorithm and apply it to the other half of the </a:t>
             </a:r>
             <a:r>
               <a:rPr lang="en">
@@ -9427,7 +9459,7 @@
                 <a:cs typeface="Times New Roman"/>
                 <a:sym typeface="Times New Roman"/>
               </a:rPr>
-              <a:t>in the 3rd step </a:t>
+              <a:t>inflight satisfaction </a:t>
             </a:r>
             <a:r>
               <a:rPr lang="en">
@@ -9439,7 +9471,31 @@
                 <a:cs typeface="Times New Roman"/>
                 <a:sym typeface="Times New Roman"/>
               </a:rPr>
-              <a:t>, which contains responses to the second question and details about the types of food and beverages (F&amp;B). This approach would have allowed us to discern which specific types of F&amp;B contribute to customer satisfaction and which do not.</a:t>
+              <a:t>dataset, which contains responses to the second question and details about the types of food and beverages (F&amp;B). The result from this model prediction would give me which customers were satisfied or not and combining that with the data of which customer has </a:t>
+            </a:r>
+            <a:r>
+              <a:rPr lang="en">
+                <a:solidFill>
+                  <a:srgbClr val="003096"/>
+                </a:solidFill>
+                <a:latin typeface="Times New Roman"/>
+                <a:ea typeface="Times New Roman"/>
+                <a:cs typeface="Times New Roman"/>
+                <a:sym typeface="Times New Roman"/>
+              </a:rPr>
+              <a:t>ordered</a:t>
+            </a:r>
+            <a:r>
+              <a:rPr lang="en">
+                <a:solidFill>
+                  <a:srgbClr val="003096"/>
+                </a:solidFill>
+                <a:latin typeface="Times New Roman"/>
+                <a:ea typeface="Times New Roman"/>
+                <a:cs typeface="Times New Roman"/>
+                <a:sym typeface="Times New Roman"/>
+              </a:rPr>
+              <a:t> which item, in the end I would have a table showing which item causes satisfaction or not based on all factors. This approach would have allowed us to discern which specific types of F&amp;B contribute to customer satisfaction and which do not.</a:t>
             </a:r>
             <a:endParaRPr>
               <a:solidFill>
@@ -9557,7 +9613,7 @@
         <p:spPr>
           <a:xfrm>
             <a:off x="311700" y="1152475"/>
-            <a:ext cx="8520600" cy="3416400"/>
+            <a:ext cx="8520600" cy="3679800"/>
           </a:xfrm>
           <a:prstGeom prst="rect">
             <a:avLst/>
@@ -9565,11 +9621,14 @@
         </p:spPr>
         <p:txBody>
           <a:bodyPr anchorCtr="0" anchor="t" bIns="91425" lIns="91425" spcFirstLastPara="1" rIns="91425" wrap="square" tIns="91425">
-            <a:normAutofit lnSpcReduction="10000"/>
+            <a:normAutofit/>
           </a:bodyPr>
           <a:lstStyle/>
           <a:p>
-            <a:pPr indent="0" lvl="0" marL="0" rtl="0" algn="l">
+            <a:pPr indent="0" lvl="0" marL="0" rtl="0" algn="just">
+              <a:lnSpc>
+                <a:spcPct val="105000"/>
+              </a:lnSpc>
               <a:spcBef>
                 <a:spcPts val="0"/>
               </a:spcBef>
@@ -9579,23 +9638,47 @@
               <a:buClr>
                 <a:schemeClr val="dk1"/>
               </a:buClr>
-              <a:buSzPts val="1100"/>
+              <a:buSzPts val="1018"/>
               <a:buFont typeface="Arial"/>
               <a:buNone/>
             </a:pPr>
             <a:r>
-              <a:rPr lang="en">
-                <a:solidFill>
-                  <a:srgbClr val="003096"/>
-                </a:solidFill>
-                <a:latin typeface="Times New Roman"/>
-                <a:ea typeface="Times New Roman"/>
-                <a:cs typeface="Times New Roman"/>
-                <a:sym typeface="Times New Roman"/>
-              </a:rPr>
-              <a:t>Subsequently, I would have used natural language processing on the second dataset, which contains customer reviews of F&amp;B. This analysis would involve sentiment analysis to identify which F&amp;B items are well-received and which are criticized. If my hypothesis holds true, the ratio of positive to negative sentiment for each F&amp;B category would align with the results obtained from the machine learning model. Throughout this process, I would have also noted common themes recurring in customer reviews for further drawing conclusions.</a:t>
-            </a:r>
-            <a:endParaRPr>
+              <a:rPr lang="en" sz="1665">
+                <a:solidFill>
+                  <a:srgbClr val="003096"/>
+                </a:solidFill>
+                <a:latin typeface="Times New Roman"/>
+                <a:ea typeface="Times New Roman"/>
+                <a:cs typeface="Times New Roman"/>
+                <a:sym typeface="Times New Roman"/>
+              </a:rPr>
+              <a:t>Subsequently, I would have used natural language processing (NLP) on the second dataset, which contains customer reviews of F&amp;B. This analysis would involve sentiment analysis to identify which F&amp;B items are well-received and which are criticized. And then if my hypothesis holds true, the ratio of positive to negative sentiment for each F&amp;B </a:t>
+            </a:r>
+            <a:r>
+              <a:rPr lang="en" sz="1665">
+                <a:solidFill>
+                  <a:srgbClr val="003096"/>
+                </a:solidFill>
+                <a:latin typeface="Times New Roman"/>
+                <a:ea typeface="Times New Roman"/>
+                <a:cs typeface="Times New Roman"/>
+                <a:sym typeface="Times New Roman"/>
+              </a:rPr>
+              <a:t>category </a:t>
+            </a:r>
+            <a:r>
+              <a:rPr lang="en" sz="1665">
+                <a:solidFill>
+                  <a:srgbClr val="003096"/>
+                </a:solidFill>
+                <a:latin typeface="Times New Roman"/>
+                <a:ea typeface="Times New Roman"/>
+                <a:cs typeface="Times New Roman"/>
+                <a:sym typeface="Times New Roman"/>
+              </a:rPr>
+              <a:t>would align with the results obtained from the machine learning model. Throughout this process, I would have also noted common themes recurring in customer reviews for further drawing conclusions.</a:t>
+            </a:r>
+            <a:endParaRPr sz="1665">
               <a:solidFill>
                 <a:srgbClr val="003096"/>
               </a:solidFill>
@@ -9606,28 +9689,44 @@
             </a:endParaRPr>
           </a:p>
           <a:p>
-            <a:pPr indent="0" lvl="0" marL="0" rtl="0" algn="l">
+            <a:pPr indent="0" lvl="0" marL="0" rtl="0" algn="just">
+              <a:lnSpc>
+                <a:spcPct val="105000"/>
+              </a:lnSpc>
               <a:spcBef>
                 <a:spcPts val="1200"/>
               </a:spcBef>
               <a:spcAft>
                 <a:spcPts val="1200"/>
               </a:spcAft>
-              <a:buNone/>
-            </a:pPr>
-            <a:r>
-              <a:rPr lang="en">
-                <a:solidFill>
-                  <a:srgbClr val="003096"/>
-                </a:solidFill>
-                <a:latin typeface="Times New Roman"/>
-                <a:ea typeface="Times New Roman"/>
-                <a:cs typeface="Times New Roman"/>
-                <a:sym typeface="Times New Roman"/>
-              </a:rPr>
-              <a:t>Finally, I would have conducted data analysis on the planned versus consumed F&amp;B counts available in the inventory dataset to gain insights into consumption patterns and potential areas for optimization.</a:t>
-            </a:r>
-            <a:endParaRPr>
+              <a:buSzPts val="1018"/>
+              <a:buNone/>
+            </a:pPr>
+            <a:r>
+              <a:rPr lang="en" sz="1665">
+                <a:solidFill>
+                  <a:srgbClr val="003096"/>
+                </a:solidFill>
+                <a:latin typeface="Times New Roman"/>
+                <a:ea typeface="Times New Roman"/>
+                <a:cs typeface="Times New Roman"/>
+                <a:sym typeface="Times New Roman"/>
+              </a:rPr>
+              <a:t>Finally, I would have conducted data analysis on the planned versus consumed F&amp;B counts available in the inventory dataset to gain insights into consumption patterns and potentia</a:t>
+            </a:r>
+            <a:r>
+              <a:rPr lang="en" sz="1665">
+                <a:solidFill>
+                  <a:srgbClr val="003096"/>
+                </a:solidFill>
+                <a:latin typeface="Times New Roman"/>
+                <a:ea typeface="Times New Roman"/>
+                <a:cs typeface="Times New Roman"/>
+                <a:sym typeface="Times New Roman"/>
+              </a:rPr>
+              <a:t>lly shortlisted some items that are preferred over the others. Then I would compare this data to the one we got from ML and NLP models to see one more time that the items shortlisted would not only have a larger ratio of satisfaction from ML model predictions, but we would also see a higher ratio of positive sentiment towards the frequently ordered items from the NLP model.</a:t>
+            </a:r>
+            <a:endParaRPr sz="1665">
               <a:solidFill>
                 <a:srgbClr val="003096"/>
               </a:solidFill>
@@ -9827,12 +9926,17 @@
               <a:spcAft>
                 <a:spcPts val="0"/>
               </a:spcAft>
+              <a:buClr>
+                <a:schemeClr val="dk1"/>
+              </a:buClr>
+              <a:buSzPts val="1100"/>
+              <a:buFont typeface="Arial"/>
               <a:buNone/>
             </a:pPr>
             <a:r>
               <a:t/>
             </a:r>
-            <a:endParaRPr>
+            <a:endParaRPr sz="2000">
               <a:solidFill>
                 <a:srgbClr val="003096"/>
               </a:solidFill>
@@ -9867,7 +9971,7 @@
                 <a:cs typeface="Times New Roman"/>
                 <a:sym typeface="Times New Roman"/>
               </a:rPr>
-              <a:t>GitHub</a:t>
+              <a:t>Project </a:t>
             </a:r>
             <a:r>
               <a:rPr lang="en" sz="2000">
@@ -9879,7 +9983,7 @@
                 <a:cs typeface="Times New Roman"/>
                 <a:sym typeface="Times New Roman"/>
               </a:rPr>
-              <a:t> Link:</a:t>
+              <a:t>Links:</a:t>
             </a:r>
             <a:endParaRPr sz="2000">
               <a:solidFill>
@@ -9892,15 +9996,29 @@
             </a:endParaRPr>
           </a:p>
           <a:p>
-            <a:pPr indent="0" lvl="0" marL="0" rtl="0" algn="l">
+            <a:pPr indent="-342900" lvl="0" marL="457200" rtl="0" algn="l">
               <a:spcBef>
                 <a:spcPts val="1200"/>
               </a:spcBef>
               <a:spcAft>
                 <a:spcPts val="0"/>
               </a:spcAft>
-              <a:buNone/>
-            </a:pPr>
+              <a:buSzPts val="1800"/>
+              <a:buFont typeface="Times New Roman"/>
+              <a:buChar char="-"/>
+            </a:pPr>
+            <a:r>
+              <a:rPr lang="en">
+                <a:solidFill>
+                  <a:srgbClr val="003096"/>
+                </a:solidFill>
+                <a:latin typeface="Times New Roman"/>
+                <a:ea typeface="Times New Roman"/>
+                <a:cs typeface="Times New Roman"/>
+                <a:sym typeface="Times New Roman"/>
+              </a:rPr>
+              <a:t>GitHub Link: </a:t>
+            </a:r>
             <a:r>
               <a:rPr lang="en" u="sng">
                 <a:solidFill>
@@ -9925,15 +10043,29 @@
             </a:endParaRPr>
           </a:p>
           <a:p>
-            <a:pPr indent="0" lvl="0" marL="0" rtl="0" algn="l">
-              <a:spcBef>
-                <a:spcPts val="1200"/>
-              </a:spcBef>
-              <a:spcAft>
-                <a:spcPts val="1200"/>
-              </a:spcAft>
-              <a:buNone/>
-            </a:pPr>
+            <a:pPr indent="-342900" lvl="0" marL="457200" rtl="0" algn="l">
+              <a:spcBef>
+                <a:spcPts val="0"/>
+              </a:spcBef>
+              <a:spcAft>
+                <a:spcPts val="0"/>
+              </a:spcAft>
+              <a:buSzPts val="1800"/>
+              <a:buFont typeface="Times New Roman"/>
+              <a:buChar char="-"/>
+            </a:pPr>
+            <a:r>
+              <a:rPr lang="en">
+                <a:solidFill>
+                  <a:srgbClr val="003096"/>
+                </a:solidFill>
+                <a:latin typeface="Times New Roman"/>
+                <a:ea typeface="Times New Roman"/>
+                <a:cs typeface="Times New Roman"/>
+                <a:sym typeface="Times New Roman"/>
+              </a:rPr>
+              <a:t>Google Spreadsheet Link: </a:t>
+            </a:r>
             <a:r>
               <a:rPr lang="en" u="sng">
                 <a:solidFill>
@@ -10537,7 +10669,7 @@
         <p:spPr>
           <a:xfrm>
             <a:off x="311700" y="1152475"/>
-            <a:ext cx="8520600" cy="3416400"/>
+            <a:ext cx="8520600" cy="3641400"/>
           </a:xfrm>
           <a:prstGeom prst="rect">
             <a:avLst/>
@@ -10545,23 +10677,18 @@
         </p:spPr>
         <p:txBody>
           <a:bodyPr anchorCtr="0" anchor="t" bIns="91425" lIns="91425" spcFirstLastPara="1" rIns="91425" wrap="square" tIns="91425">
-            <a:normAutofit/>
+            <a:normAutofit fontScale="92500" lnSpcReduction="10000"/>
           </a:bodyPr>
           <a:lstStyle/>
           <a:p>
-            <a:pPr indent="-342900" lvl="0" marL="457200" rtl="0" algn="l">
-              <a:spcBef>
-                <a:spcPts val="0"/>
-              </a:spcBef>
-              <a:spcAft>
-                <a:spcPts val="0"/>
-              </a:spcAft>
-              <a:buClr>
-                <a:srgbClr val="003096"/>
-              </a:buClr>
-              <a:buSzPts val="1800"/>
-              <a:buFont typeface="Times New Roman"/>
-              <a:buChar char="-"/>
+            <a:pPr indent="0" lvl="0" marL="0" rtl="0" algn="just">
+              <a:spcBef>
+                <a:spcPts val="0"/>
+              </a:spcBef>
+              <a:spcAft>
+                <a:spcPts val="1200"/>
+              </a:spcAft>
+              <a:buNone/>
             </a:pPr>
             <a:r>
               <a:rPr lang="en">
@@ -10573,7 +10700,7 @@
                 <a:cs typeface="Times New Roman"/>
                 <a:sym typeface="Times New Roman"/>
               </a:rPr>
-              <a:t>In this project, we conducted a comprehensive analysis of customer feedback data related to United Airlines' food and beverage (F&amp;B) services. Our approach involved dataset segmentation, thorough data cleaning, and sentiment analysis to understand customer sentiments. We also examined potential factors impacting F&amp;B satisfaction, categorizing data by satisfaction types, and creating unique value frequency summaries. In addition to these steps, we generated multiple bar charts to visualize the relationship between customer satisfaction and various influencing factors, providing a well-rounded view of F&amp;B service dynamics.</a:t>
+              <a:t>In the initial stages of this project, I started by importing fundamental libraries such as NumPy and Pandas to manage our datasets efficiently. With a focus on data exploration, I utilized techniques like "df.info()" and "df.value_counts()" to gain a comprehensive understanding of the dataset's characteristics, including unique values and their frequencies. Moving forward, I did data preprocessing by filling in missing values, detecting and eliminating outliers, and lastly creating more descriptive categories to enhance data interpretation. Next, I split the dataset based on the two questions found in the "question_type" column, thereby refining the dataset's relevance. Subsequently, we segmented the data further into tables for satisfied and dissatisfied customers using the “satisfaction_type” column. Finally, I created a new data frame that compiled unique values and their frequencies from each column, calculating their effects on customer satisfaction and streamlining the dataset by removing less impactful factors. These steps laid the foundation for a more focused and visual analysis of United Airlines' food and beverage services' that I did using google spreadsheet (excel) customer feedback.</a:t>
             </a:r>
             <a:endParaRPr>
               <a:solidFill>
@@ -10699,11 +10826,11 @@
         </p:spPr>
         <p:txBody>
           <a:bodyPr anchorCtr="0" anchor="t" bIns="91425" lIns="91425" spcFirstLastPara="1" rIns="91425" wrap="square" tIns="91425">
-            <a:normAutofit fontScale="92500" lnSpcReduction="10000"/>
+            <a:normAutofit lnSpcReduction="20000"/>
           </a:bodyPr>
           <a:lstStyle/>
           <a:p>
-            <a:pPr indent="-334327" lvl="0" marL="457200" rtl="0" algn="l">
+            <a:pPr indent="-342900" lvl="0" marL="457200" rtl="0" algn="l">
               <a:spcBef>
                 <a:spcPts val="0"/>
               </a:spcBef>
@@ -10713,7 +10840,7 @@
               <a:buClr>
                 <a:srgbClr val="003096"/>
               </a:buClr>
-              <a:buSzPct val="100000"/>
+              <a:buSzPts val="1800"/>
               <a:buFont typeface="Times New Roman"/>
               <a:buChar char="-"/>
             </a:pPr>
@@ -10727,7 +10854,7 @@
                 <a:cs typeface="Times New Roman"/>
                 <a:sym typeface="Times New Roman"/>
               </a:rPr>
-              <a:t>Root Cause Analysis for F&amp;B Satisfaction During Summer Months:</a:t>
+              <a:t>Root Cause for F&amp;B Satisfaction:</a:t>
             </a:r>
             <a:endParaRPr>
               <a:solidFill>
@@ -10740,7 +10867,7 @@
             </a:endParaRPr>
           </a:p>
           <a:p>
-            <a:pPr indent="-310832" lvl="1" marL="914400" rtl="0" algn="l">
+            <a:pPr indent="-317500" lvl="1" marL="914400" rtl="0" algn="l">
               <a:spcBef>
                 <a:spcPts val="0"/>
               </a:spcBef>
@@ -10750,7 +10877,7 @@
               <a:buClr>
                 <a:srgbClr val="003096"/>
               </a:buClr>
-              <a:buSzPct val="100000"/>
+              <a:buSzPts val="1400"/>
               <a:buFont typeface="Times New Roman"/>
               <a:buChar char="-"/>
             </a:pPr>
@@ -10764,7 +10891,7 @@
                 <a:cs typeface="Times New Roman"/>
                 <a:sym typeface="Times New Roman"/>
               </a:rPr>
-              <a:t>Identify the underlying reasons behind fluctuations in food and beverage (F&amp;B) satisfaction scores specifically during the summer months and analyze data to pinpoint the key drivers influencing F&amp;B satisfaction during this period.</a:t>
+              <a:t>Identify the underlying reasons behind in food and beverage (F&amp;B) satisfaction scores specifically during the summer months and analyze data to find the key factors influencing F&amp;B satisfaction during this period.</a:t>
             </a:r>
             <a:endParaRPr>
               <a:solidFill>
@@ -10777,7 +10904,7 @@
             </a:endParaRPr>
           </a:p>
           <a:p>
-            <a:pPr indent="-334327" lvl="0" marL="457200" rtl="0" algn="l">
+            <a:pPr indent="-342900" lvl="0" marL="457200" rtl="0" algn="l">
               <a:spcBef>
                 <a:spcPts val="0"/>
               </a:spcBef>
@@ -10787,7 +10914,7 @@
               <a:buClr>
                 <a:srgbClr val="003096"/>
               </a:buClr>
-              <a:buSzPct val="100000"/>
+              <a:buSzPts val="1800"/>
               <a:buFont typeface="Times New Roman"/>
               <a:buChar char="-"/>
             </a:pPr>
@@ -10814,7 +10941,7 @@
             </a:endParaRPr>
           </a:p>
           <a:p>
-            <a:pPr indent="-310832" lvl="1" marL="914400" rtl="0" algn="l">
+            <a:pPr indent="-317500" lvl="1" marL="914400" rtl="0" algn="l">
               <a:spcBef>
                 <a:spcPts val="0"/>
               </a:spcBef>
@@ -10824,7 +10951,7 @@
               <a:buClr>
                 <a:srgbClr val="003096"/>
               </a:buClr>
-              <a:buSzPct val="100000"/>
+              <a:buSzPts val="1400"/>
               <a:buFont typeface="Times New Roman"/>
               <a:buChar char="-"/>
             </a:pPr>
@@ -10838,7 +10965,7 @@
                 <a:cs typeface="Times New Roman"/>
                 <a:sym typeface="Times New Roman"/>
               </a:rPr>
-              <a:t>Gain insights from customer feedback by analyzing survey comments and understand the major themes and issues related to F&amp;B that customers are complaining about through natural language processing (NLP) or text analysis</a:t>
+              <a:t>Gain insights from customer feedback by analyzing survey comments and understand the major themes and issues related to F&amp;B that customers are complaining about.</a:t>
             </a:r>
             <a:endParaRPr>
               <a:solidFill>
@@ -10851,7 +10978,7 @@
             </a:endParaRPr>
           </a:p>
           <a:p>
-            <a:pPr indent="-334327" lvl="0" marL="457200" rtl="0" algn="l">
+            <a:pPr indent="-342900" lvl="0" marL="457200" rtl="0" algn="l">
               <a:spcBef>
                 <a:spcPts val="0"/>
               </a:spcBef>
@@ -10861,7 +10988,7 @@
               <a:buClr>
                 <a:srgbClr val="003096"/>
               </a:buClr>
-              <a:buSzPct val="100000"/>
+              <a:buSzPts val="1800"/>
               <a:buFont typeface="Times New Roman"/>
               <a:buChar char="-"/>
             </a:pPr>
@@ -10888,7 +11015,7 @@
             </a:endParaRPr>
           </a:p>
           <a:p>
-            <a:pPr indent="-310832" lvl="1" marL="914400" rtl="0" algn="l">
+            <a:pPr indent="-317500" lvl="1" marL="914400" rtl="0" algn="l">
               <a:spcBef>
                 <a:spcPts val="0"/>
               </a:spcBef>
@@ -10898,7 +11025,7 @@
               <a:buClr>
                 <a:srgbClr val="003096"/>
               </a:buClr>
-              <a:buSzPct val="100000"/>
+              <a:buSzPts val="1400"/>
               <a:buFont typeface="Times New Roman"/>
               <a:buChar char="-"/>
             </a:pPr>
@@ -10925,7 +11052,7 @@
             </a:endParaRPr>
           </a:p>
           <a:p>
-            <a:pPr indent="-334327" lvl="0" marL="457200" rtl="0" algn="l">
+            <a:pPr indent="-342900" lvl="0" marL="457200" rtl="0" algn="l">
               <a:spcBef>
                 <a:spcPts val="0"/>
               </a:spcBef>
@@ -10935,7 +11062,7 @@
               <a:buClr>
                 <a:srgbClr val="003096"/>
               </a:buClr>
-              <a:buSzPct val="100000"/>
+              <a:buSzPts val="1800"/>
               <a:buFont typeface="Times New Roman"/>
               <a:buChar char="-"/>
             </a:pPr>
@@ -10962,7 +11089,7 @@
             </a:endParaRPr>
           </a:p>
           <a:p>
-            <a:pPr indent="-310832" lvl="1" marL="914400" rtl="0" algn="l">
+            <a:pPr indent="-317500" lvl="1" marL="914400" rtl="0" algn="l">
               <a:spcBef>
                 <a:spcPts val="0"/>
               </a:spcBef>
@@ -10972,7 +11099,7 @@
               <a:buClr>
                 <a:srgbClr val="003096"/>
               </a:buClr>
-              <a:buSzPct val="100000"/>
+              <a:buSzPts val="1400"/>
               <a:buFont typeface="Times New Roman"/>
               <a:buChar char="-"/>
             </a:pPr>
@@ -10986,7 +11113,7 @@
                 <a:cs typeface="Times New Roman"/>
                 <a:sym typeface="Times New Roman"/>
               </a:rPr>
-              <a:t>Present the analysis findings cohesively in a narrative format and tell a story using data to convey the factors impacting F&amp;B satisfaction during summer and provide initial recommendations based on insights.</a:t>
+              <a:t>Present the analysis findings cohesively in a narrative format and tell a story using data to convey the factors impacting F&amp;B satisfaction provide initial recommendations based on insights.</a:t>
             </a:r>
             <a:endParaRPr>
               <a:solidFill>
@@ -12333,7 +12460,7 @@
         </p:nvSpPr>
         <p:spPr>
           <a:xfrm>
-            <a:off x="311700" y="445025"/>
+            <a:off x="311700" y="292625"/>
             <a:ext cx="8520600" cy="572700"/>
           </a:xfrm>
           <a:prstGeom prst="rect">
@@ -12858,7 +12985,7 @@
         <p:spPr>
           <a:xfrm>
             <a:off x="4572000" y="1152475"/>
-            <a:ext cx="4260300" cy="3815400"/>
+            <a:ext cx="4260300" cy="3911700"/>
           </a:xfrm>
           <a:prstGeom prst="rect">
             <a:avLst/>
@@ -12866,7 +12993,7 @@
         </p:spPr>
         <p:txBody>
           <a:bodyPr anchorCtr="0" anchor="t" bIns="91425" lIns="91425" spcFirstLastPara="1" rIns="91425" wrap="square" tIns="91425">
-            <a:normAutofit fontScale="92500" lnSpcReduction="10000"/>
+            <a:normAutofit fontScale="92500" lnSpcReduction="20000"/>
           </a:bodyPr>
           <a:lstStyle/>
           <a:p>
@@ -13000,7 +13127,7 @@
                 <a:cs typeface="Times New Roman"/>
                 <a:sym typeface="Times New Roman"/>
               </a:rPr>
-              <a:t>However, there is a point that a long-delay would cause more dissatisfaction than slight delay. The reason why this is not the case is because the calculation also takes into account the frequency of such cases. Since the algorithm </a:t>
+              <a:t>However, a long-delay would cause more dissatisfaction than slight delay. The reason why this is not the case is because the calculation also takes into account the frequency of such cases. Since the algorithm </a:t>
             </a:r>
             <a:r>
               <a:rPr lang="en">
@@ -13024,7 +13151,7 @@
                 <a:cs typeface="Times New Roman"/>
                 <a:sym typeface="Times New Roman"/>
               </a:rPr>
-              <a:t> more on more frequent factors of consumer satisfaction, the rare cases are somewhat less considered</a:t>
+              <a:t> more on more frequent factors of consumer satisfaction, the rare cases are less considered</a:t>
             </a:r>
             <a:endParaRPr>
               <a:solidFill>
@@ -13118,6 +13245,115 @@
                 <a:sym typeface="Times New Roman"/>
               </a:rPr>
               <a:t> class. Other cabin types are near 0, hence not considered</a:t>
+            </a:r>
+            <a:endParaRPr>
+              <a:solidFill>
+                <a:srgbClr val="003096"/>
+              </a:solidFill>
+              <a:latin typeface="Times New Roman"/>
+              <a:ea typeface="Times New Roman"/>
+              <a:cs typeface="Times New Roman"/>
+              <a:sym typeface="Times New Roman"/>
+            </a:endParaRPr>
+          </a:p>
+          <a:p>
+            <a:pPr indent="-299085" lvl="1" marL="914400" rtl="0" algn="l">
+              <a:spcBef>
+                <a:spcPts val="0"/>
+              </a:spcBef>
+              <a:spcAft>
+                <a:spcPts val="0"/>
+              </a:spcAft>
+              <a:buClr>
+                <a:srgbClr val="003096"/>
+              </a:buClr>
+              <a:buSzPct val="100000"/>
+              <a:buFont typeface="Times New Roman"/>
+              <a:buChar char="-"/>
+            </a:pPr>
+            <a:r>
+              <a:rPr lang="en">
+                <a:solidFill>
+                  <a:srgbClr val="003096"/>
+                </a:solidFill>
+                <a:latin typeface="Times New Roman"/>
+                <a:ea typeface="Times New Roman"/>
+                <a:cs typeface="Times New Roman"/>
+                <a:sym typeface="Times New Roman"/>
+              </a:rPr>
+              <a:t>This may be due to the fact that those in economy plus are expecting a bigger </a:t>
+            </a:r>
+            <a:r>
+              <a:rPr lang="en">
+                <a:solidFill>
+                  <a:srgbClr val="003096"/>
+                </a:solidFill>
+                <a:latin typeface="Times New Roman"/>
+                <a:ea typeface="Times New Roman"/>
+                <a:cs typeface="Times New Roman"/>
+                <a:sym typeface="Times New Roman"/>
+              </a:rPr>
+              <a:t>difference</a:t>
+            </a:r>
+            <a:r>
+              <a:rPr lang="en">
+                <a:solidFill>
+                  <a:srgbClr val="003096"/>
+                </a:solidFill>
+                <a:latin typeface="Times New Roman"/>
+                <a:ea typeface="Times New Roman"/>
+                <a:cs typeface="Times New Roman"/>
+                <a:sym typeface="Times New Roman"/>
+              </a:rPr>
+              <a:t> in the treatment than in economy class </a:t>
+            </a:r>
+            <a:r>
+              <a:rPr lang="en">
+                <a:solidFill>
+                  <a:srgbClr val="003096"/>
+                </a:solidFill>
+                <a:latin typeface="Times New Roman"/>
+                <a:ea typeface="Times New Roman"/>
+                <a:cs typeface="Times New Roman"/>
+                <a:sym typeface="Times New Roman"/>
+              </a:rPr>
+              <a:t>which</a:t>
+            </a:r>
+            <a:r>
+              <a:rPr lang="en">
+                <a:solidFill>
+                  <a:srgbClr val="003096"/>
+                </a:solidFill>
+                <a:latin typeface="Times New Roman"/>
+                <a:ea typeface="Times New Roman"/>
+                <a:cs typeface="Times New Roman"/>
+                <a:sym typeface="Times New Roman"/>
+              </a:rPr>
+              <a:t> is not </a:t>
+            </a:r>
+            <a:r>
+              <a:rPr lang="en">
+                <a:solidFill>
+                  <a:srgbClr val="003096"/>
+                </a:solidFill>
+                <a:latin typeface="Times New Roman"/>
+                <a:ea typeface="Times New Roman"/>
+                <a:cs typeface="Times New Roman"/>
+                <a:sym typeface="Times New Roman"/>
+              </a:rPr>
+              <a:t>truly</a:t>
+            </a:r>
+            <a:r>
+              <a:rPr lang="en">
+                <a:solidFill>
+                  <a:srgbClr val="003096"/>
+                </a:solidFill>
+                <a:latin typeface="Times New Roman"/>
+                <a:ea typeface="Times New Roman"/>
+                <a:cs typeface="Times New Roman"/>
+                <a:sym typeface="Times New Roman"/>
+              </a:rPr>
+              <a:t> the case.</a:t>
             </a:r>
             <a:endParaRPr>
               <a:solidFill>
@@ -13194,6 +13430,285 @@
 </file>
 
 <file path=ppt/theme/theme1.xml><?xml version="1.0" encoding="utf-8"?>
+<a:theme xmlns:a="http://schemas.openxmlformats.org/drawingml/2006/main" xmlns:r="http://schemas.openxmlformats.org/officeDocument/2006/relationships" name="Simple Light">
+  <a:themeElements>
+    <a:clrScheme name="Simple Light">
+      <a:dk1>
+        <a:srgbClr val="000000"/>
+      </a:dk1>
+      <a:lt1>
+        <a:srgbClr val="FFFFFF"/>
+      </a:lt1>
+      <a:dk2>
+        <a:srgbClr val="595959"/>
+      </a:dk2>
+      <a:lt2>
+        <a:srgbClr val="EEEEEE"/>
+      </a:lt2>
+      <a:accent1>
+        <a:srgbClr val="4285F4"/>
+      </a:accent1>
+      <a:accent2>
+        <a:srgbClr val="212121"/>
+      </a:accent2>
+      <a:accent3>
+        <a:srgbClr val="78909C"/>
+      </a:accent3>
+      <a:accent4>
+        <a:srgbClr val="FFAB40"/>
+      </a:accent4>
+      <a:accent5>
+        <a:srgbClr val="0097A7"/>
+      </a:accent5>
+      <a:accent6>
+        <a:srgbClr val="EEFF41"/>
+      </a:accent6>
+      <a:hlink>
+        <a:srgbClr val="0097A7"/>
+      </a:hlink>
+      <a:folHlink>
+        <a:srgbClr val="0097A7"/>
+      </a:folHlink>
+    </a:clrScheme>
+    <a:fontScheme name="Office">
+      <a:majorFont>
+        <a:latin typeface="Arial"/>
+        <a:ea typeface=""/>
+        <a:cs typeface=""/>
+        <a:font script="Jpan" typeface="ＭＳ Ｐゴシック"/>
+        <a:font script="Hang" typeface="맑은 고딕"/>
+        <a:font script="Hans" typeface="宋体"/>
+        <a:font script="Hant" typeface="新細明體"/>
+        <a:font script="Arab" typeface="Times New Roman"/>
+        <a:font script="Hebr" typeface="Times New Roman"/>
+        <a:font script="Thai" typeface="Angsana New"/>
+        <a:font script="Ethi" typeface="Nyala"/>
+        <a:font script="Beng" typeface="Vrinda"/>
+        <a:font script="Gujr" typeface="Shruti"/>
+        <a:font script="Khmr" typeface="MoolBoran"/>
+        <a:font script="Knda" typeface="Tunga"/>
+        <a:font script="Guru" typeface="Raavi"/>
+        <a:font script="Cans" typeface="Euphemia"/>
+        <a:font script="Cher" typeface="Plantagenet Cherokee"/>
+        <a:font script="Yiii" typeface="Microsoft Yi Baiti"/>
+        <a:font script="Tibt" typeface="Microsoft Himalaya"/>
+        <a:font script="Thaa" typeface="MV Boli"/>
+        <a:font script="Deva" typeface="Mangal"/>
+        <a:font script="Telu" typeface="Gautami"/>
+        <a:font script="Taml" typeface="Latha"/>
+        <a:font script="Syrc" typeface="Estrangelo Edessa"/>
+        <a:font script="Orya" typeface="Kalinga"/>
+        <a:font script="Mlym" typeface="Kartika"/>
+        <a:font script="Laoo" typeface="DokChampa"/>
+        <a:font script="Sinh" typeface="Iskoola Pota"/>
+        <a:font script="Mong" typeface="Mongolian Baiti"/>
+        <a:font script="Viet" typeface="Times New Roman"/>
+        <a:font script="Uigh" typeface="Microsoft Uighur"/>
+        <a:font script="Geor" typeface="Sylfaen"/>
+      </a:majorFont>
+      <a:minorFont>
+        <a:latin typeface="Arial"/>
+        <a:ea typeface=""/>
+        <a:cs typeface=""/>
+        <a:font script="Jpan" typeface="ＭＳ Ｐゴシック"/>
+        <a:font script="Hang" typeface="맑은 고딕"/>
+        <a:font script="Hans" typeface="宋体"/>
+        <a:font script="Hant" typeface="新細明體"/>
+        <a:font script="Arab" typeface="Arial"/>
+        <a:font script="Hebr" typeface="Arial"/>
+        <a:font script="Thai" typeface="Cordia New"/>
+        <a:font script="Ethi" typeface="Nyala"/>
+        <a:font script="Beng" typeface="Vrinda"/>
+        <a:font script="Gujr" typeface="Shruti"/>
+        <a:font script="Khmr" typeface="DaunPenh"/>
+        <a:font script="Knda" typeface="Tunga"/>
+        <a:font script="Guru" typeface="Raavi"/>
+        <a:font script="Cans" typeface="Euphemia"/>
+        <a:font script="Cher" typeface="Plantagenet Cherokee"/>
+        <a:font script="Yiii" typeface="Microsoft Yi Baiti"/>
+        <a:font script="Tibt" typeface="Microsoft Himalaya"/>
+        <a:font script="Thaa" typeface="MV Boli"/>
+        <a:font script="Deva" typeface="Mangal"/>
+        <a:font script="Telu" typeface="Gautami"/>
+        <a:font script="Taml" typeface="Latha"/>
+        <a:font script="Syrc" typeface="Estrangelo Edessa"/>
+        <a:font script="Orya" typeface="Kalinga"/>
+        <a:font script="Mlym" typeface="Kartika"/>
+        <a:font script="Laoo" typeface="DokChampa"/>
+        <a:font script="Sinh" typeface="Iskoola Pota"/>
+        <a:font script="Mong" typeface="Mongolian Baiti"/>
+        <a:font script="Viet" typeface="Arial"/>
+        <a:font script="Uigh" typeface="Microsoft Uighur"/>
+        <a:font script="Geor" typeface="Sylfaen"/>
+      </a:minorFont>
+    </a:fontScheme>
+    <a:fmtScheme name="Office">
+      <a:fillStyleLst>
+        <a:solidFill>
+          <a:schemeClr val="phClr"/>
+        </a:solidFill>
+        <a:gradFill rotWithShape="1">
+          <a:gsLst>
+            <a:gs pos="0">
+              <a:schemeClr val="phClr">
+                <a:tint val="50000"/>
+                <a:satMod val="300000"/>
+              </a:schemeClr>
+            </a:gs>
+            <a:gs pos="35000">
+              <a:schemeClr val="phClr">
+                <a:tint val="37000"/>
+                <a:satMod val="300000"/>
+              </a:schemeClr>
+            </a:gs>
+            <a:gs pos="100000">
+              <a:schemeClr val="phClr">
+                <a:tint val="15000"/>
+                <a:satMod val="350000"/>
+              </a:schemeClr>
+            </a:gs>
+          </a:gsLst>
+          <a:lin ang="16200000" scaled="1"/>
+        </a:gradFill>
+        <a:gradFill rotWithShape="1">
+          <a:gsLst>
+            <a:gs pos="0">
+              <a:schemeClr val="phClr">
+                <a:tint val="100000"/>
+                <a:shade val="100000"/>
+                <a:satMod val="130000"/>
+              </a:schemeClr>
+            </a:gs>
+            <a:gs pos="100000">
+              <a:schemeClr val="phClr">
+                <a:tint val="50000"/>
+                <a:shade val="100000"/>
+                <a:satMod val="350000"/>
+              </a:schemeClr>
+            </a:gs>
+          </a:gsLst>
+          <a:lin ang="16200000" scaled="0"/>
+        </a:gradFill>
+      </a:fillStyleLst>
+      <a:lnStyleLst>
+        <a:ln w="9525" cap="flat" cmpd="sng" algn="ctr">
+          <a:solidFill>
+            <a:schemeClr val="phClr">
+              <a:shade val="95000"/>
+              <a:satMod val="105000"/>
+            </a:schemeClr>
+          </a:solidFill>
+          <a:prstDash val="solid"/>
+        </a:ln>
+        <a:ln w="25400" cap="flat" cmpd="sng" algn="ctr">
+          <a:solidFill>
+            <a:schemeClr val="phClr"/>
+          </a:solidFill>
+          <a:prstDash val="solid"/>
+        </a:ln>
+        <a:ln w="38100" cap="flat" cmpd="sng" algn="ctr">
+          <a:solidFill>
+            <a:schemeClr val="phClr"/>
+          </a:solidFill>
+          <a:prstDash val="solid"/>
+        </a:ln>
+      </a:lnStyleLst>
+      <a:effectStyleLst>
+        <a:effectStyle>
+          <a:effectLst>
+            <a:outerShdw blurRad="40000" dist="20000" dir="5400000" rotWithShape="0">
+              <a:srgbClr val="000000">
+                <a:alpha val="38000"/>
+              </a:srgbClr>
+            </a:outerShdw>
+          </a:effectLst>
+        </a:effectStyle>
+        <a:effectStyle>
+          <a:effectLst>
+            <a:outerShdw blurRad="40000" dist="23000" dir="5400000" rotWithShape="0">
+              <a:srgbClr val="000000">
+                <a:alpha val="35000"/>
+              </a:srgbClr>
+            </a:outerShdw>
+          </a:effectLst>
+        </a:effectStyle>
+        <a:effectStyle>
+          <a:effectLst>
+            <a:outerShdw blurRad="40000" dist="23000" dir="5400000" rotWithShape="0">
+              <a:srgbClr val="000000">
+                <a:alpha val="35000"/>
+              </a:srgbClr>
+            </a:outerShdw>
+          </a:effectLst>
+          <a:scene3d>
+            <a:camera prst="orthographicFront">
+              <a:rot lat="0" lon="0" rev="0"/>
+            </a:camera>
+            <a:lightRig rig="threePt" dir="t">
+              <a:rot lat="0" lon="0" rev="1200000"/>
+            </a:lightRig>
+          </a:scene3d>
+          <a:sp3d>
+            <a:bevelT w="63500" h="25400"/>
+          </a:sp3d>
+        </a:effectStyle>
+      </a:effectStyleLst>
+      <a:bgFillStyleLst>
+        <a:solidFill>
+          <a:schemeClr val="phClr"/>
+        </a:solidFill>
+        <a:gradFill rotWithShape="1">
+          <a:gsLst>
+            <a:gs pos="0">
+              <a:schemeClr val="phClr">
+                <a:tint val="40000"/>
+                <a:satMod val="350000"/>
+              </a:schemeClr>
+            </a:gs>
+            <a:gs pos="40000">
+              <a:schemeClr val="phClr">
+                <a:tint val="45000"/>
+                <a:shade val="99000"/>
+                <a:satMod val="350000"/>
+              </a:schemeClr>
+            </a:gs>
+            <a:gs pos="100000">
+              <a:schemeClr val="phClr">
+                <a:shade val="20000"/>
+                <a:satMod val="255000"/>
+              </a:schemeClr>
+            </a:gs>
+          </a:gsLst>
+          <a:path path="circle">
+            <a:fillToRect l="50000" t="-80000" r="50000" b="180000"/>
+          </a:path>
+        </a:gradFill>
+        <a:gradFill rotWithShape="1">
+          <a:gsLst>
+            <a:gs pos="0">
+              <a:schemeClr val="phClr">
+                <a:tint val="80000"/>
+                <a:satMod val="300000"/>
+              </a:schemeClr>
+            </a:gs>
+            <a:gs pos="100000">
+              <a:schemeClr val="phClr">
+                <a:shade val="30000"/>
+                <a:satMod val="200000"/>
+              </a:schemeClr>
+            </a:gs>
+          </a:gsLst>
+          <a:path path="circle">
+            <a:fillToRect l="50000" t="50000" r="50000" b="50000"/>
+          </a:path>
+        </a:gradFill>
+      </a:bgFillStyleLst>
+    </a:fmtScheme>
+  </a:themeElements>
+</a:theme>
+</file>
+
+<file path=ppt/theme/theme2.xml><?xml version="1.0" encoding="utf-8"?>
 <a:theme xmlns:a="http://schemas.openxmlformats.org/drawingml/2006/main" xmlns:r="http://schemas.openxmlformats.org/officeDocument/2006/relationships">
   <a:themeElements>
     <a:clrScheme name="Default">
@@ -13470,283 +13985,4 @@
     </a:fmtScheme>
   </a:themeElements>
 </a:theme>
-</file>
-
-<file path=ppt/theme/theme2.xml><?xml version="1.0" encoding="utf-8"?>
-<a:theme xmlns:a="http://schemas.openxmlformats.org/drawingml/2006/main" xmlns:r="http://schemas.openxmlformats.org/officeDocument/2006/relationships" name="Simple Light">
-  <a:themeElements>
-    <a:clrScheme name="Simple Light">
-      <a:dk1>
-        <a:srgbClr val="000000"/>
-      </a:dk1>
-      <a:lt1>
-        <a:srgbClr val="FFFFFF"/>
-      </a:lt1>
-      <a:dk2>
-        <a:srgbClr val="595959"/>
-      </a:dk2>
-      <a:lt2>
-        <a:srgbClr val="EEEEEE"/>
-      </a:lt2>
-      <a:accent1>
-        <a:srgbClr val="4285F4"/>
-      </a:accent1>
-      <a:accent2>
-        <a:srgbClr val="212121"/>
-      </a:accent2>
-      <a:accent3>
-        <a:srgbClr val="78909C"/>
-      </a:accent3>
-      <a:accent4>
-        <a:srgbClr val="FFAB40"/>
-      </a:accent4>
-      <a:accent5>
-        <a:srgbClr val="0097A7"/>
-      </a:accent5>
-      <a:accent6>
-        <a:srgbClr val="EEFF41"/>
-      </a:accent6>
-      <a:hlink>
-        <a:srgbClr val="0097A7"/>
-      </a:hlink>
-      <a:folHlink>
-        <a:srgbClr val="0097A7"/>
-      </a:folHlink>
-    </a:clrScheme>
-    <a:fontScheme name="Office">
-      <a:majorFont>
-        <a:latin typeface="Arial"/>
-        <a:ea typeface=""/>
-        <a:cs typeface=""/>
-        <a:font script="Jpan" typeface="ＭＳ Ｐゴシック"/>
-        <a:font script="Hang" typeface="맑은 고딕"/>
-        <a:font script="Hans" typeface="宋体"/>
-        <a:font script="Hant" typeface="新細明體"/>
-        <a:font script="Arab" typeface="Times New Roman"/>
-        <a:font script="Hebr" typeface="Times New Roman"/>
-        <a:font script="Thai" typeface="Angsana New"/>
-        <a:font script="Ethi" typeface="Nyala"/>
-        <a:font script="Beng" typeface="Vrinda"/>
-        <a:font script="Gujr" typeface="Shruti"/>
-        <a:font script="Khmr" typeface="MoolBoran"/>
-        <a:font script="Knda" typeface="Tunga"/>
-        <a:font script="Guru" typeface="Raavi"/>
-        <a:font script="Cans" typeface="Euphemia"/>
-        <a:font script="Cher" typeface="Plantagenet Cherokee"/>
-        <a:font script="Yiii" typeface="Microsoft Yi Baiti"/>
-        <a:font script="Tibt" typeface="Microsoft Himalaya"/>
-        <a:font script="Thaa" typeface="MV Boli"/>
-        <a:font script="Deva" typeface="Mangal"/>
-        <a:font script="Telu" typeface="Gautami"/>
-        <a:font script="Taml" typeface="Latha"/>
-        <a:font script="Syrc" typeface="Estrangelo Edessa"/>
-        <a:font script="Orya" typeface="Kalinga"/>
-        <a:font script="Mlym" typeface="Kartika"/>
-        <a:font script="Laoo" typeface="DokChampa"/>
-        <a:font script="Sinh" typeface="Iskoola Pota"/>
-        <a:font script="Mong" typeface="Mongolian Baiti"/>
-        <a:font script="Viet" typeface="Times New Roman"/>
-        <a:font script="Uigh" typeface="Microsoft Uighur"/>
-        <a:font script="Geor" typeface="Sylfaen"/>
-      </a:majorFont>
-      <a:minorFont>
-        <a:latin typeface="Arial"/>
-        <a:ea typeface=""/>
-        <a:cs typeface=""/>
-        <a:font script="Jpan" typeface="ＭＳ Ｐゴシック"/>
-        <a:font script="Hang" typeface="맑은 고딕"/>
-        <a:font script="Hans" typeface="宋体"/>
-        <a:font script="Hant" typeface="新細明體"/>
-        <a:font script="Arab" typeface="Arial"/>
-        <a:font script="Hebr" typeface="Arial"/>
-        <a:font script="Thai" typeface="Cordia New"/>
-        <a:font script="Ethi" typeface="Nyala"/>
-        <a:font script="Beng" typeface="Vrinda"/>
-        <a:font script="Gujr" typeface="Shruti"/>
-        <a:font script="Khmr" typeface="DaunPenh"/>
-        <a:font script="Knda" typeface="Tunga"/>
-        <a:font script="Guru" typeface="Raavi"/>
-        <a:font script="Cans" typeface="Euphemia"/>
-        <a:font script="Cher" typeface="Plantagenet Cherokee"/>
-        <a:font script="Yiii" typeface="Microsoft Yi Baiti"/>
-        <a:font script="Tibt" typeface="Microsoft Himalaya"/>
-        <a:font script="Thaa" typeface="MV Boli"/>
-        <a:font script="Deva" typeface="Mangal"/>
-        <a:font script="Telu" typeface="Gautami"/>
-        <a:font script="Taml" typeface="Latha"/>
-        <a:font script="Syrc" typeface="Estrangelo Edessa"/>
-        <a:font script="Orya" typeface="Kalinga"/>
-        <a:font script="Mlym" typeface="Kartika"/>
-        <a:font script="Laoo" typeface="DokChampa"/>
-        <a:font script="Sinh" typeface="Iskoola Pota"/>
-        <a:font script="Mong" typeface="Mongolian Baiti"/>
-        <a:font script="Viet" typeface="Arial"/>
-        <a:font script="Uigh" typeface="Microsoft Uighur"/>
-        <a:font script="Geor" typeface="Sylfaen"/>
-      </a:minorFont>
-    </a:fontScheme>
-    <a:fmtScheme name="Office">
-      <a:fillStyleLst>
-        <a:solidFill>
-          <a:schemeClr val="phClr"/>
-        </a:solidFill>
-        <a:gradFill rotWithShape="1">
-          <a:gsLst>
-            <a:gs pos="0">
-              <a:schemeClr val="phClr">
-                <a:tint val="50000"/>
-                <a:satMod val="300000"/>
-              </a:schemeClr>
-            </a:gs>
-            <a:gs pos="35000">
-              <a:schemeClr val="phClr">
-                <a:tint val="37000"/>
-                <a:satMod val="300000"/>
-              </a:schemeClr>
-            </a:gs>
-            <a:gs pos="100000">
-              <a:schemeClr val="phClr">
-                <a:tint val="15000"/>
-                <a:satMod val="350000"/>
-              </a:schemeClr>
-            </a:gs>
-          </a:gsLst>
-          <a:lin ang="16200000" scaled="1"/>
-        </a:gradFill>
-        <a:gradFill rotWithShape="1">
-          <a:gsLst>
-            <a:gs pos="0">
-              <a:schemeClr val="phClr">
-                <a:tint val="100000"/>
-                <a:shade val="100000"/>
-                <a:satMod val="130000"/>
-              </a:schemeClr>
-            </a:gs>
-            <a:gs pos="100000">
-              <a:schemeClr val="phClr">
-                <a:tint val="50000"/>
-                <a:shade val="100000"/>
-                <a:satMod val="350000"/>
-              </a:schemeClr>
-            </a:gs>
-          </a:gsLst>
-          <a:lin ang="16200000" scaled="0"/>
-        </a:gradFill>
-      </a:fillStyleLst>
-      <a:lnStyleLst>
-        <a:ln w="9525" cap="flat" cmpd="sng" algn="ctr">
-          <a:solidFill>
-            <a:schemeClr val="phClr">
-              <a:shade val="95000"/>
-              <a:satMod val="105000"/>
-            </a:schemeClr>
-          </a:solidFill>
-          <a:prstDash val="solid"/>
-        </a:ln>
-        <a:ln w="25400" cap="flat" cmpd="sng" algn="ctr">
-          <a:solidFill>
-            <a:schemeClr val="phClr"/>
-          </a:solidFill>
-          <a:prstDash val="solid"/>
-        </a:ln>
-        <a:ln w="38100" cap="flat" cmpd="sng" algn="ctr">
-          <a:solidFill>
-            <a:schemeClr val="phClr"/>
-          </a:solidFill>
-          <a:prstDash val="solid"/>
-        </a:ln>
-      </a:lnStyleLst>
-      <a:effectStyleLst>
-        <a:effectStyle>
-          <a:effectLst>
-            <a:outerShdw blurRad="40000" dist="20000" dir="5400000" rotWithShape="0">
-              <a:srgbClr val="000000">
-                <a:alpha val="38000"/>
-              </a:srgbClr>
-            </a:outerShdw>
-          </a:effectLst>
-        </a:effectStyle>
-        <a:effectStyle>
-          <a:effectLst>
-            <a:outerShdw blurRad="40000" dist="23000" dir="5400000" rotWithShape="0">
-              <a:srgbClr val="000000">
-                <a:alpha val="35000"/>
-              </a:srgbClr>
-            </a:outerShdw>
-          </a:effectLst>
-        </a:effectStyle>
-        <a:effectStyle>
-          <a:effectLst>
-            <a:outerShdw blurRad="40000" dist="23000" dir="5400000" rotWithShape="0">
-              <a:srgbClr val="000000">
-                <a:alpha val="35000"/>
-              </a:srgbClr>
-            </a:outerShdw>
-          </a:effectLst>
-          <a:scene3d>
-            <a:camera prst="orthographicFront">
-              <a:rot lat="0" lon="0" rev="0"/>
-            </a:camera>
-            <a:lightRig rig="threePt" dir="t">
-              <a:rot lat="0" lon="0" rev="1200000"/>
-            </a:lightRig>
-          </a:scene3d>
-          <a:sp3d>
-            <a:bevelT w="63500" h="25400"/>
-          </a:sp3d>
-        </a:effectStyle>
-      </a:effectStyleLst>
-      <a:bgFillStyleLst>
-        <a:solidFill>
-          <a:schemeClr val="phClr"/>
-        </a:solidFill>
-        <a:gradFill rotWithShape="1">
-          <a:gsLst>
-            <a:gs pos="0">
-              <a:schemeClr val="phClr">
-                <a:tint val="40000"/>
-                <a:satMod val="350000"/>
-              </a:schemeClr>
-            </a:gs>
-            <a:gs pos="40000">
-              <a:schemeClr val="phClr">
-                <a:tint val="45000"/>
-                <a:shade val="99000"/>
-                <a:satMod val="350000"/>
-              </a:schemeClr>
-            </a:gs>
-            <a:gs pos="100000">
-              <a:schemeClr val="phClr">
-                <a:shade val="20000"/>
-                <a:satMod val="255000"/>
-              </a:schemeClr>
-            </a:gs>
-          </a:gsLst>
-          <a:path path="circle">
-            <a:fillToRect l="50000" t="-80000" r="50000" b="180000"/>
-          </a:path>
-        </a:gradFill>
-        <a:gradFill rotWithShape="1">
-          <a:gsLst>
-            <a:gs pos="0">
-              <a:schemeClr val="phClr">
-                <a:tint val="80000"/>
-                <a:satMod val="300000"/>
-              </a:schemeClr>
-            </a:gs>
-            <a:gs pos="100000">
-              <a:schemeClr val="phClr">
-                <a:shade val="30000"/>
-                <a:satMod val="200000"/>
-              </a:schemeClr>
-            </a:gs>
-          </a:gsLst>
-          <a:path path="circle">
-            <a:fillToRect l="50000" t="50000" r="50000" b="50000"/>
-          </a:path>
-        </a:gradFill>
-      </a:bgFillStyleLst>
-    </a:fmtScheme>
-  </a:themeElements>
-</a:theme>
 </file>